--- a/lectures/07 - Практическое использование шейдеров.pptx
+++ b/lectures/07 - Практическое использование шейдеров.pptx
@@ -8,7 +8,7 @@
     <p:notesMasterId r:id="rId32"/>
   </p:notesMasterIdLst>
   <p:sldIdLst>
-    <p:sldId id="256" r:id="rId2"/>
+    <p:sldId id="288" r:id="rId2"/>
     <p:sldId id="257" r:id="rId3"/>
     <p:sldId id="258" r:id="rId4"/>
     <p:sldId id="283" r:id="rId5"/>
@@ -267,7 +267,7 @@
               <a:pPr>
                 <a:defRPr/>
               </a:pPr>
-              <a:t>02.05.2024</a:t>
+              <a:t>01.07.2024</a:t>
             </a:fld>
             <a:endParaRPr lang="ru-RU"/>
           </a:p>
@@ -613,7 +613,13 @@
       </p:grpSpPr>
       <p:sp>
         <p:nvSpPr>
-          <p:cNvPr id="33794" name="Образ слайда 1"/>
+          <p:cNvPr id="94210" name="Образ слайда 1">
+            <a:extLst>
+              <a:ext uri="{FF2B5EF4-FFF2-40B4-BE49-F238E27FC236}">
+                <a16:creationId xmlns:a16="http://schemas.microsoft.com/office/drawing/2014/main" id="{A779B27D-9217-4218-9478-1373E4E1E25C}"/>
+              </a:ext>
+            </a:extLst>
+          </p:cNvPr>
           <p:cNvSpPr>
             <a:spLocks noGrp="1" noRot="1" noChangeAspect="1" noTextEdit="1"/>
           </p:cNvSpPr>
@@ -648,7 +654,13 @@
       </p:sp>
       <p:sp>
         <p:nvSpPr>
-          <p:cNvPr id="33795" name="Заметки 2"/>
+          <p:cNvPr id="94211" name="Заметки 2">
+            <a:extLst>
+              <a:ext uri="{FF2B5EF4-FFF2-40B4-BE49-F238E27FC236}">
+                <a16:creationId xmlns:a16="http://schemas.microsoft.com/office/drawing/2014/main" id="{74CCE929-B9CA-4446-823D-E269C6D64A74}"/>
+              </a:ext>
+            </a:extLst>
+          </p:cNvPr>
           <p:cNvSpPr>
             <a:spLocks noGrp="1"/>
           </p:cNvSpPr>
@@ -691,13 +703,19 @@
                 <a:spcPct val="0"/>
               </a:spcBef>
             </a:pPr>
-            <a:endParaRPr lang="ru-RU"/>
+            <a:endParaRPr lang="ru-RU" altLang="ru-RU"/>
           </a:p>
         </p:txBody>
       </p:sp>
       <p:sp>
         <p:nvSpPr>
-          <p:cNvPr id="32772" name="Номер слайда 3"/>
+          <p:cNvPr id="94212" name="Номер слайда 3">
+            <a:extLst>
+              <a:ext uri="{FF2B5EF4-FFF2-40B4-BE49-F238E27FC236}">
+                <a16:creationId xmlns:a16="http://schemas.microsoft.com/office/drawing/2014/main" id="{44DBC8C0-2749-4D5D-B20D-10BA16D21BF0}"/>
+              </a:ext>
+            </a:extLst>
+          </p:cNvPr>
           <p:cNvSpPr>
             <a:spLocks noGrp="1"/>
           </p:cNvSpPr>
@@ -713,36 +731,117 @@
           </a:ln>
         </p:spPr>
         <p:txBody>
-          <a:bodyPr wrap="square" numCol="1" anchorCtr="0" compatLnSpc="1">
-            <a:prstTxWarp prst="textNoShape">
-              <a:avLst/>
-            </a:prstTxWarp>
-          </a:bodyPr>
-          <a:lstStyle/>
-          <a:p>
-            <a:pPr fontAlgn="base">
+          <a:bodyPr/>
+          <a:lstStyle>
+            <a:lvl1pPr eaLnBrk="0" hangingPunct="0">
+              <a:defRPr>
+                <a:solidFill>
+                  <a:schemeClr val="tx1"/>
+                </a:solidFill>
+                <a:latin typeface="Arial" panose="020B0604020202020204" pitchFamily="34" charset="0"/>
+              </a:defRPr>
+            </a:lvl1pPr>
+            <a:lvl2pPr marL="742950" indent="-285750" eaLnBrk="0" hangingPunct="0">
+              <a:defRPr>
+                <a:solidFill>
+                  <a:schemeClr val="tx1"/>
+                </a:solidFill>
+                <a:latin typeface="Arial" panose="020B0604020202020204" pitchFamily="34" charset="0"/>
+              </a:defRPr>
+            </a:lvl2pPr>
+            <a:lvl3pPr marL="1143000" indent="-228600" eaLnBrk="0" hangingPunct="0">
+              <a:defRPr>
+                <a:solidFill>
+                  <a:schemeClr val="tx1"/>
+                </a:solidFill>
+                <a:latin typeface="Arial" panose="020B0604020202020204" pitchFamily="34" charset="0"/>
+              </a:defRPr>
+            </a:lvl3pPr>
+            <a:lvl4pPr marL="1600200" indent="-228600" eaLnBrk="0" hangingPunct="0">
+              <a:defRPr>
+                <a:solidFill>
+                  <a:schemeClr val="tx1"/>
+                </a:solidFill>
+                <a:latin typeface="Arial" panose="020B0604020202020204" pitchFamily="34" charset="0"/>
+              </a:defRPr>
+            </a:lvl4pPr>
+            <a:lvl5pPr marL="2057400" indent="-228600" eaLnBrk="0" hangingPunct="0">
+              <a:defRPr>
+                <a:solidFill>
+                  <a:schemeClr val="tx1"/>
+                </a:solidFill>
+                <a:latin typeface="Arial" panose="020B0604020202020204" pitchFamily="34" charset="0"/>
+              </a:defRPr>
+            </a:lvl5pPr>
+            <a:lvl6pPr marL="2514600" indent="-228600" eaLnBrk="0" fontAlgn="base" hangingPunct="0">
               <a:spcBef>
                 <a:spcPct val="0"/>
               </a:spcBef>
               <a:spcAft>
                 <a:spcPct val="0"/>
               </a:spcAft>
-              <a:defRPr/>
-            </a:pPr>
-            <a:fld id="{5671277B-C30F-421D-88E1-8CFF3B9B38DE}" type="slidenum">
-              <a:rPr lang="ru-RU" smtClean="0"/>
-              <a:pPr fontAlgn="base">
-                <a:spcBef>
-                  <a:spcPct val="0"/>
-                </a:spcBef>
-                <a:spcAft>
-                  <a:spcPct val="0"/>
-                </a:spcAft>
-                <a:defRPr/>
-              </a:pPr>
+              <a:defRPr>
+                <a:solidFill>
+                  <a:schemeClr val="tx1"/>
+                </a:solidFill>
+                <a:latin typeface="Arial" panose="020B0604020202020204" pitchFamily="34" charset="0"/>
+              </a:defRPr>
+            </a:lvl6pPr>
+            <a:lvl7pPr marL="2971800" indent="-228600" eaLnBrk="0" fontAlgn="base" hangingPunct="0">
+              <a:spcBef>
+                <a:spcPct val="0"/>
+              </a:spcBef>
+              <a:spcAft>
+                <a:spcPct val="0"/>
+              </a:spcAft>
+              <a:defRPr>
+                <a:solidFill>
+                  <a:schemeClr val="tx1"/>
+                </a:solidFill>
+                <a:latin typeface="Arial" panose="020B0604020202020204" pitchFamily="34" charset="0"/>
+              </a:defRPr>
+            </a:lvl7pPr>
+            <a:lvl8pPr marL="3429000" indent="-228600" eaLnBrk="0" fontAlgn="base" hangingPunct="0">
+              <a:spcBef>
+                <a:spcPct val="0"/>
+              </a:spcBef>
+              <a:spcAft>
+                <a:spcPct val="0"/>
+              </a:spcAft>
+              <a:defRPr>
+                <a:solidFill>
+                  <a:schemeClr val="tx1"/>
+                </a:solidFill>
+                <a:latin typeface="Arial" panose="020B0604020202020204" pitchFamily="34" charset="0"/>
+              </a:defRPr>
+            </a:lvl8pPr>
+            <a:lvl9pPr marL="3886200" indent="-228600" eaLnBrk="0" fontAlgn="base" hangingPunct="0">
+              <a:spcBef>
+                <a:spcPct val="0"/>
+              </a:spcBef>
+              <a:spcAft>
+                <a:spcPct val="0"/>
+              </a:spcAft>
+              <a:defRPr>
+                <a:solidFill>
+                  <a:schemeClr val="tx1"/>
+                </a:solidFill>
+                <a:latin typeface="Arial" panose="020B0604020202020204" pitchFamily="34" charset="0"/>
+              </a:defRPr>
+            </a:lvl9pPr>
+          </a:lstStyle>
+          <a:p>
+            <a:pPr eaLnBrk="1" hangingPunct="1"/>
+            <a:fld id="{69CE03EC-959C-4530-8A5D-5CEFC6DF12B6}" type="slidenum">
+              <a:rPr lang="ru-RU" altLang="ru-RU">
+                <a:latin typeface="Calibri" panose="020F0502020204030204" pitchFamily="34" charset="0"/>
+              </a:rPr>
+              <a:pPr eaLnBrk="1" hangingPunct="1"/>
               <a:t>1</a:t>
             </a:fld>
-            <a:endParaRPr lang="ru-RU"/>
+            <a:endParaRPr lang="ru-RU" altLang="ru-RU">
+              <a:latin typeface="Calibri" panose="020F0502020204030204" pitchFamily="34" charset="0"/>
+            </a:endParaRPr>
           </a:p>
         </p:txBody>
       </p:sp>
@@ -909,7 +1008,7 @@
               <a:pPr>
                 <a:defRPr/>
               </a:pPr>
-              <a:t>02.05.2024</a:t>
+              <a:t>01.07.2024</a:t>
             </a:fld>
             <a:endParaRPr lang="ru-RU"/>
           </a:p>
@@ -1124,7 +1223,7 @@
               <a:pPr>
                 <a:defRPr/>
               </a:pPr>
-              <a:t>02.05.2024</a:t>
+              <a:t>01.07.2024</a:t>
             </a:fld>
             <a:endParaRPr lang="ru-RU"/>
           </a:p>
@@ -1349,7 +1448,7 @@
               <a:pPr>
                 <a:defRPr/>
               </a:pPr>
-              <a:t>02.05.2024</a:t>
+              <a:t>01.07.2024</a:t>
             </a:fld>
             <a:endParaRPr lang="ru-RU"/>
           </a:p>
@@ -1564,7 +1663,7 @@
               <a:pPr>
                 <a:defRPr/>
               </a:pPr>
-              <a:t>02.05.2024</a:t>
+              <a:t>01.07.2024</a:t>
             </a:fld>
             <a:endParaRPr lang="ru-RU"/>
           </a:p>
@@ -1855,7 +1954,7 @@
               <a:pPr>
                 <a:defRPr/>
               </a:pPr>
-              <a:t>02.05.2024</a:t>
+              <a:t>01.07.2024</a:t>
             </a:fld>
             <a:endParaRPr lang="ru-RU"/>
           </a:p>
@@ -2138,7 +2237,7 @@
               <a:pPr>
                 <a:defRPr/>
               </a:pPr>
-              <a:t>02.05.2024</a:t>
+              <a:t>01.07.2024</a:t>
             </a:fld>
             <a:endParaRPr lang="ru-RU"/>
           </a:p>
@@ -2568,7 +2667,7 @@
               <a:pPr>
                 <a:defRPr/>
               </a:pPr>
-              <a:t>02.05.2024</a:t>
+              <a:t>01.07.2024</a:t>
             </a:fld>
             <a:endParaRPr lang="ru-RU"/>
           </a:p>
@@ -2725,7 +2824,7 @@
               <a:pPr>
                 <a:defRPr/>
               </a:pPr>
-              <a:t>02.05.2024</a:t>
+              <a:t>01.07.2024</a:t>
             </a:fld>
             <a:endParaRPr lang="ru-RU"/>
           </a:p>
@@ -2853,7 +2952,7 @@
               <a:pPr>
                 <a:defRPr/>
               </a:pPr>
-              <a:t>02.05.2024</a:t>
+              <a:t>01.07.2024</a:t>
             </a:fld>
             <a:endParaRPr lang="ru-RU"/>
           </a:p>
@@ -3181,7 +3280,7 @@
               <a:pPr>
                 <a:defRPr/>
               </a:pPr>
-              <a:t>02.05.2024</a:t>
+              <a:t>01.07.2024</a:t>
             </a:fld>
             <a:endParaRPr lang="ru-RU"/>
           </a:p>
@@ -3485,7 +3584,7 @@
               <a:pPr>
                 <a:defRPr/>
               </a:pPr>
-              <a:t>02.05.2024</a:t>
+              <a:t>01.07.2024</a:t>
             </a:fld>
             <a:endParaRPr lang="ru-RU"/>
           </a:p>
@@ -3743,7 +3842,7 @@
               <a:pPr>
                 <a:defRPr/>
               </a:pPr>
-              <a:t>02.05.2024</a:t>
+              <a:t>01.07.2024</a:t>
             </a:fld>
             <a:endParaRPr lang="ru-RU"/>
           </a:p>
@@ -4169,9 +4268,44 @@
           <a:chExt cx="0" cy="0"/>
         </a:xfrm>
       </p:grpSpPr>
+      <p:pic>
+        <p:nvPicPr>
+          <p:cNvPr id="5" name="Picture 4">
+            <a:extLst>
+              <a:ext uri="{FF2B5EF4-FFF2-40B4-BE49-F238E27FC236}">
+                <a16:creationId xmlns:a16="http://schemas.microsoft.com/office/drawing/2014/main" id="{62C4F5EC-8C52-9AAE-1ECA-C2D0C4B66DD6}"/>
+              </a:ext>
+            </a:extLst>
+          </p:cNvPr>
+          <p:cNvPicPr>
+            <a:picLocks noChangeAspect="1"/>
+          </p:cNvPicPr>
+          <p:nvPr/>
+        </p:nvPicPr>
+        <p:blipFill rotWithShape="1">
+          <a:blip r:embed="rId3"/>
+          <a:srcRect l="1899" t="375" r="1899" b="375"/>
+          <a:stretch/>
+        </p:blipFill>
+        <p:spPr>
+          <a:xfrm>
+            <a:off x="0" y="0"/>
+            <a:ext cx="12192000" cy="6858000"/>
+          </a:xfrm>
+          <a:prstGeom prst="rect">
+            <a:avLst/>
+          </a:prstGeom>
+        </p:spPr>
+      </p:pic>
       <p:sp>
         <p:nvSpPr>
-          <p:cNvPr id="2" name="Заголовок 1"/>
+          <p:cNvPr id="2" name="Заголовок 1">
+            <a:extLst>
+              <a:ext uri="{FF2B5EF4-FFF2-40B4-BE49-F238E27FC236}">
+                <a16:creationId xmlns:a16="http://schemas.microsoft.com/office/drawing/2014/main" id="{B6373B57-9951-46E8-AA54-4385CFAF4229}"/>
+              </a:ext>
+            </a:extLst>
+          </p:cNvPr>
           <p:cNvSpPr>
             <a:spLocks noGrp="1"/>
           </p:cNvSpPr>
@@ -4180,6 +4314,10 @@
           </p:nvPr>
         </p:nvSpPr>
         <p:spPr>
+          <a:xfrm>
+            <a:off x="1199456" y="1412776"/>
+            <a:ext cx="9793088" cy="3600400"/>
+          </a:xfrm>
           <a:ln>
             <a:miter lim="800000"/>
             <a:headEnd/>
@@ -4188,25 +4326,32 @@
         </p:spPr>
         <p:txBody>
           <a:bodyPr>
-            <a:normAutofit/>
+            <a:noAutofit/>
           </a:bodyPr>
           <a:lstStyle/>
           <a:p>
-            <a:pPr eaLnBrk="1" fontAlgn="auto" hangingPunct="1">
+            <a:pPr algn="l" eaLnBrk="1" fontAlgn="auto" hangingPunct="1">
               <a:spcAft>
                 <a:spcPts val="0"/>
               </a:spcAft>
               <a:defRPr/>
             </a:pPr>
             <a:r>
-              <a:rPr lang="ru-RU" dirty="0"/>
-              <a:t>Практическое использование </a:t>
-            </a:r>
-            <a:r>
-              <a:rPr lang="ru-RU" dirty="0" err="1"/>
-              <a:t>шейдеров</a:t>
-            </a:r>
-            <a:endParaRPr lang="ru-RU" dirty="0"/>
+              <a:rPr lang="ru-RU" sz="8000" dirty="0">
+                <a:solidFill>
+                  <a:srgbClr val="FFFF00"/>
+                </a:solidFill>
+                <a:effectLst>
+                  <a:outerShdw blurRad="38100" dist="38100" dir="2700000" algn="tl">
+                    <a:srgbClr val="000000">
+                      <a:alpha val="43137"/>
+                    </a:srgbClr>
+                  </a:outerShdw>
+                </a:effectLst>
+                <a:latin typeface="Impact" panose="020B0806030902050204" pitchFamily="34" charset="0"/>
+              </a:rPr>
+              <a:t>Практическое использование шейдеров</a:t>
+            </a:r>
           </a:p>
         </p:txBody>
       </p:sp>
@@ -4215,7 +4360,7 @@
           <p:cNvPr id="3" name="Subtitle 2">
             <a:extLst>
               <a:ext uri="{FF2B5EF4-FFF2-40B4-BE49-F238E27FC236}">
-                <a16:creationId xmlns:a16="http://schemas.microsoft.com/office/drawing/2014/main" id="{D8A9CDCF-08F8-4A91-8F50-3951B0765898}"/>
+                <a16:creationId xmlns:a16="http://schemas.microsoft.com/office/drawing/2014/main" id="{9D906DA4-BEC8-44A0-9680-312800F9F987}"/>
               </a:ext>
             </a:extLst>
           </p:cNvPr>
@@ -4226,12 +4371,17 @@
             <p:ph type="subTitle" idx="1"/>
           </p:nvPr>
         </p:nvSpPr>
-        <p:spPr/>
+        <p:spPr>
+          <a:xfrm>
+            <a:off x="1524000" y="5301208"/>
+            <a:ext cx="9144000" cy="892696"/>
+          </a:xfrm>
+        </p:spPr>
         <p:txBody>
           <a:bodyPr/>
           <a:lstStyle/>
           <a:p>
-            <a:endParaRPr lang="ru-RU"/>
+            <a:endParaRPr lang="ru-RU" dirty="0"/>
           </a:p>
         </p:txBody>
       </p:sp>
@@ -11682,7 +11832,7 @@
             <a:pPr eaLnBrk="1" hangingPunct="1"/>
             <a:r>
               <a:rPr lang="ru-RU" dirty="0"/>
-              <a:t>Простейший вершинный шейдер будет выполнять преобразование вершин в пространство координат канонический объем</a:t>
+              <a:t>Простейший вершинный шейдер будет выполнять преобразование вершин в пространство координат канонического объема</a:t>
             </a:r>
           </a:p>
           <a:p>
@@ -12767,12 +12917,12 @@
           <a:graphicData uri="http://schemas.openxmlformats.org/presentationml/2006/ole">
             <mc:AlternateContent xmlns:mc="http://schemas.openxmlformats.org/markup-compatibility/2006">
               <mc:Choice xmlns:v="urn:schemas-microsoft-com:vml" Requires="v">
-                <p:oleObj spid="_x0000_s23571" name="Формула" r:id="rId4" imgW="2514600" imgH="431800" progId="Equation.3">
+                <p:oleObj name="Формула" r:id="rId3" imgW="2514600" imgH="431800" progId="Equation.3">
                   <p:embed/>
                 </p:oleObj>
               </mc:Choice>
               <mc:Fallback>
-                <p:oleObj name="Формула" r:id="rId4" imgW="2514600" imgH="431800" progId="Equation.3">
+                <p:oleObj name="Формула" r:id="rId3" imgW="2514600" imgH="431800" progId="Equation.3">
                   <p:embed/>
                   <p:pic>
                     <p:nvPicPr>
@@ -12783,7 +12933,7 @@
                       <p:nvPr/>
                     </p:nvPicPr>
                     <p:blipFill>
-                      <a:blip r:embed="rId5">
+                      <a:blip r:embed="rId4">
                         <a:extLst>
                           <a:ext uri="{28A0092B-C50C-407E-A947-70E740481C1C}">
                             <a14:useLocalDpi xmlns:a14="http://schemas.microsoft.com/office/drawing/2010/main" val="0"/>
@@ -12837,12 +12987,12 @@
           <a:graphicData uri="http://schemas.openxmlformats.org/presentationml/2006/ole">
             <mc:AlternateContent xmlns:mc="http://schemas.openxmlformats.org/markup-compatibility/2006">
               <mc:Choice xmlns:v="urn:schemas-microsoft-com:vml" Requires="v">
-                <p:oleObj spid="_x0000_s23572" name="Формула" r:id="rId6" imgW="2476500" imgH="431800" progId="Equation.3">
+                <p:oleObj name="Формула" r:id="rId5" imgW="2476500" imgH="431800" progId="Equation.3">
                   <p:embed/>
                 </p:oleObj>
               </mc:Choice>
               <mc:Fallback>
-                <p:oleObj name="Формула" r:id="rId6" imgW="2476500" imgH="431800" progId="Equation.3">
+                <p:oleObj name="Формула" r:id="rId5" imgW="2476500" imgH="431800" progId="Equation.3">
                   <p:embed/>
                   <p:pic>
                     <p:nvPicPr>
@@ -12853,7 +13003,7 @@
                       <p:nvPr/>
                     </p:nvPicPr>
                     <p:blipFill>
-                      <a:blip r:embed="rId7">
+                      <a:blip r:embed="rId6">
                         <a:extLst>
                           <a:ext uri="{28A0092B-C50C-407E-A947-70E740481C1C}">
                             <a14:useLocalDpi xmlns:a14="http://schemas.microsoft.com/office/drawing/2010/main" val="0"/>
@@ -12907,12 +13057,12 @@
           <a:graphicData uri="http://schemas.openxmlformats.org/presentationml/2006/ole">
             <mc:AlternateContent xmlns:mc="http://schemas.openxmlformats.org/markup-compatibility/2006">
               <mc:Choice xmlns:v="urn:schemas-microsoft-com:vml" Requires="v">
-                <p:oleObj spid="_x0000_s23573" name="Формула" r:id="rId8" imgW="647419" imgH="215806" progId="Equation.3">
+                <p:oleObj name="Формула" r:id="rId7" imgW="647419" imgH="215806" progId="Equation.3">
                   <p:embed/>
                 </p:oleObj>
               </mc:Choice>
               <mc:Fallback>
-                <p:oleObj name="Формула" r:id="rId8" imgW="647419" imgH="215806" progId="Equation.3">
+                <p:oleObj name="Формула" r:id="rId7" imgW="647419" imgH="215806" progId="Equation.3">
                   <p:embed/>
                   <p:pic>
                     <p:nvPicPr>
@@ -12923,7 +13073,7 @@
                       <p:nvPr/>
                     </p:nvPicPr>
                     <p:blipFill>
-                      <a:blip r:embed="rId9">
+                      <a:blip r:embed="rId8">
                         <a:extLst>
                           <a:ext uri="{28A0092B-C50C-407E-A947-70E740481C1C}">
                             <a14:useLocalDpi xmlns:a14="http://schemas.microsoft.com/office/drawing/2010/main" val="0"/>
@@ -12963,7 +13113,7 @@
       </p:graphicFrame>
     </p:spTree>
     <p:custDataLst>
-      <p:tags r:id="rId2"/>
+      <p:tags r:id="rId1"/>
     </p:custDataLst>
   </p:cSld>
   <p:clrMapOvr>
@@ -13385,12 +13535,12 @@
           <a:graphicData uri="http://schemas.openxmlformats.org/presentationml/2006/ole">
             <mc:AlternateContent xmlns:mc="http://schemas.openxmlformats.org/markup-compatibility/2006">
               <mc:Choice xmlns:v="urn:schemas-microsoft-com:vml" Requires="v">
-                <p:oleObj spid="_x0000_s24590" name="Формула" r:id="rId4" imgW="1028700" imgH="736600" progId="Equation.3">
+                <p:oleObj name="Формула" r:id="rId3" imgW="1028700" imgH="736600" progId="Equation.3">
                   <p:embed/>
                 </p:oleObj>
               </mc:Choice>
               <mc:Fallback>
-                <p:oleObj name="Формула" r:id="rId4" imgW="1028700" imgH="736600" progId="Equation.3">
+                <p:oleObj name="Формула" r:id="rId3" imgW="1028700" imgH="736600" progId="Equation.3">
                   <p:embed/>
                   <p:pic>
                     <p:nvPicPr>
@@ -13401,7 +13551,7 @@
                       <p:nvPr/>
                     </p:nvPicPr>
                     <p:blipFill>
-                      <a:blip r:embed="rId5">
+                      <a:blip r:embed="rId4">
                         <a:extLst>
                           <a:ext uri="{28A0092B-C50C-407E-A947-70E740481C1C}">
                             <a14:useLocalDpi xmlns:a14="http://schemas.microsoft.com/office/drawing/2010/main" val="0"/>
@@ -13455,12 +13605,12 @@
           <a:graphicData uri="http://schemas.openxmlformats.org/presentationml/2006/ole">
             <mc:AlternateContent xmlns:mc="http://schemas.openxmlformats.org/markup-compatibility/2006">
               <mc:Choice xmlns:v="urn:schemas-microsoft-com:vml" Requires="v">
-                <p:oleObj spid="_x0000_s24591" name="Формула" r:id="rId6" imgW="1790700" imgH="736600" progId="Equation.3">
+                <p:oleObj name="Формула" r:id="rId5" imgW="1790700" imgH="736600" progId="Equation.3">
                   <p:embed/>
                 </p:oleObj>
               </mc:Choice>
               <mc:Fallback>
-                <p:oleObj name="Формула" r:id="rId6" imgW="1790700" imgH="736600" progId="Equation.3">
+                <p:oleObj name="Формула" r:id="rId5" imgW="1790700" imgH="736600" progId="Equation.3">
                   <p:embed/>
                   <p:pic>
                     <p:nvPicPr>
@@ -13471,7 +13621,7 @@
                       <p:nvPr/>
                     </p:nvPicPr>
                     <p:blipFill>
-                      <a:blip r:embed="rId7">
+                      <a:blip r:embed="rId6">
                         <a:extLst>
                           <a:ext uri="{28A0092B-C50C-407E-A947-70E740481C1C}">
                             <a14:useLocalDpi xmlns:a14="http://schemas.microsoft.com/office/drawing/2010/main" val="0"/>
@@ -13511,7 +13661,7 @@
       </p:graphicFrame>
     </p:spTree>
     <p:custDataLst>
-      <p:tags r:id="rId2"/>
+      <p:tags r:id="rId1"/>
     </p:custDataLst>
   </p:cSld>
   <p:clrMapOvr>
@@ -22045,12 +22195,12 @@
           <a:graphicData uri="http://schemas.openxmlformats.org/presentationml/2006/ole">
             <mc:AlternateContent xmlns:mc="http://schemas.openxmlformats.org/markup-compatibility/2006">
               <mc:Choice xmlns:v="urn:schemas-microsoft-com:vml" Requires="v">
-                <p:oleObj spid="_x0000_s8201" name="Формула" r:id="rId4" imgW="1485900" imgH="508000" progId="Equation.3">
+                <p:oleObj name="Формула" r:id="rId3" imgW="1485900" imgH="508000" progId="Equation.3">
                   <p:embed/>
                 </p:oleObj>
               </mc:Choice>
               <mc:Fallback>
-                <p:oleObj name="Формула" r:id="rId4" imgW="1485900" imgH="508000" progId="Equation.3">
+                <p:oleObj name="Формула" r:id="rId3" imgW="1485900" imgH="508000" progId="Equation.3">
                   <p:embed/>
                   <p:pic>
                     <p:nvPicPr>
@@ -22061,7 +22211,7 @@
                       <p:nvPr/>
                     </p:nvPicPr>
                     <p:blipFill>
-                      <a:blip r:embed="rId5">
+                      <a:blip r:embed="rId4">
                         <a:extLst>
                           <a:ext uri="{28A0092B-C50C-407E-A947-70E740481C1C}">
                             <a14:useLocalDpi xmlns:a14="http://schemas.microsoft.com/office/drawing/2010/main" val="0"/>
@@ -22101,7 +22251,7 @@
       </p:graphicFrame>
     </p:spTree>
     <p:custDataLst>
-      <p:tags r:id="rId2"/>
+      <p:tags r:id="rId1"/>
     </p:custDataLst>
   </p:cSld>
   <p:clrMapOvr>
